--- a/docs/week-14-direct-file-b-tree/ce205-week-14-direct-file-b-tree.md_word.pptx
+++ b/docs/week-14-direct-file-b-tree/ce205-week-14-direct-file-b-tree.md_word.pptx
@@ -9,6 +9,15 @@
     <p:sldId id="257" r:id="rId3"/>
     <p:sldId id="258" r:id="rId4"/>
     <p:sldId id="259" r:id="rId5"/>
+    <p:sldId id="260" r:id="rId6"/>
+    <p:sldId id="261" r:id="rId7"/>
+    <p:sldId id="262" r:id="rId8"/>
+    <p:sldId id="263" r:id="rId9"/>
+    <p:sldId id="264" r:id="rId10"/>
+    <p:sldId id="265" r:id="rId11"/>
+    <p:sldId id="266" r:id="rId12"/>
+    <p:sldId id="267" r:id="rId13"/>
+    <p:sldId id="268" r:id="rId14"/>
   </p:sldIdLst>
   <p:sldSz cx="9144000" cy="6858000" type="screen4x3"/>
   <p:notesSz cx="6858000" cy="9144000"/>
@@ -3210,6 +3219,418 @@
 </p:sld>
 </file>
 
+<file path=ppt/slides/slide10.xml><?xml version="1.0" encoding="utf-8"?>
+<p:sld xmlns:a="http://schemas.openxmlformats.org/drawingml/2006/main" xmlns:r="http://schemas.openxmlformats.org/officeDocument/2006/relationships" xmlns:p="http://schemas.openxmlformats.org/presentationml/2006/main">
+  <p:cSld>
+    <p:spTree>
+      <p:nvGrpSpPr>
+        <p:cNvPr id="1" name=""/>
+        <p:cNvGrpSpPr/>
+        <p:nvPr/>
+      </p:nvGrpSpPr>
+      <p:grpSpPr>
+        <a:xfrm>
+          <a:off x="0" y="0"/>
+          <a:ext cx="0" cy="0"/>
+          <a:chOff x="0" y="0"/>
+          <a:chExt cx="0" cy="0"/>
+        </a:xfrm>
+      </p:grpSpPr>
+      <p:sp>
+        <p:nvSpPr>
+          <p:cNvPr id="2" name="Title 1"/>
+          <p:cNvSpPr>
+            <a:spLocks noGrp="1"/>
+          </p:cNvSpPr>
+          <p:nvPr>
+            <p:ph type="title"/>
+          </p:nvPr>
+        </p:nvSpPr>
+        <p:spPr/>
+        <p:txBody>
+          <a:bodyPr/>
+          <a:lstStyle/>
+          <a:p>
+            <a:pPr lvl="0" indent="0" marL="0">
+              <a:buNone/>
+            </a:pPr>
+            <a:r>
+              <a:rPr/>
+              <a:t>Bits and Hashing</a:t>
+            </a:r>
+          </a:p>
+        </p:txBody>
+      </p:sp>
+      <p:sp>
+        <p:nvSpPr>
+          <p:cNvPr id="3" name="Content Placeholder 2"/>
+          <p:cNvSpPr>
+            <a:spLocks noGrp="1"/>
+          </p:cNvSpPr>
+          <p:nvPr>
+            <p:ph idx="1"/>
+          </p:nvPr>
+        </p:nvSpPr>
+        <p:spPr/>
+        <p:txBody>
+          <a:bodyPr/>
+          <a:lstStyle/>
+          <a:p>
+            <a:pPr lvl="0"/>
+            <a:r>
+              <a:rPr/>
+              <a:t>Signature Hashing</a:t>
+            </a:r>
+          </a:p>
+          <a:p>
+            <a:pPr lvl="1"/>
+            <a:r>
+              <a:rPr/>
+              <a:t>Unique File Hashing</a:t>
+            </a:r>
+          </a:p>
+          <a:p>
+            <a:pPr lvl="0"/>
+            <a:r>
+              <a:rPr/>
+              <a:t>Bloom Filters</a:t>
+            </a:r>
+          </a:p>
+          <a:p>
+            <a:pPr lvl="1"/>
+            <a:r>
+              <a:rPr/>
+              <a:t>https://www.geeksforgeeks.org/bloom-filters-introduction-and-python-implementation/</a:t>
+            </a:r>
+          </a:p>
+          <a:p>
+            <a:pPr lvl="0"/>
+            <a:r>
+              <a:rPr/>
+              <a:t>Classification Hashing</a:t>
+            </a:r>
+          </a:p>
+          <a:p>
+            <a:pPr lvl="1"/>
+            <a:r>
+              <a:rPr/>
+              <a:t>https://en.wikipedia.org/wiki/Feature_hashing</a:t>
+            </a:r>
+          </a:p>
+          <a:p>
+            <a:pPr lvl="0"/>
+            <a:r>
+              <a:rPr/>
+              <a:t>Check Hashing</a:t>
+            </a:r>
+          </a:p>
+        </p:txBody>
+      </p:sp>
+    </p:spTree>
+  </p:cSld>
+</p:sld>
+</file>
+
+<file path=ppt/slides/slide11.xml><?xml version="1.0" encoding="utf-8"?>
+<p:sld xmlns:a="http://schemas.openxmlformats.org/drawingml/2006/main" xmlns:r="http://schemas.openxmlformats.org/officeDocument/2006/relationships" xmlns:p="http://schemas.openxmlformats.org/presentationml/2006/main">
+  <p:cSld>
+    <p:spTree>
+      <p:nvGrpSpPr>
+        <p:cNvPr id="1" name=""/>
+        <p:cNvGrpSpPr/>
+        <p:nvPr/>
+      </p:nvGrpSpPr>
+      <p:grpSpPr>
+        <a:xfrm>
+          <a:off x="0" y="0"/>
+          <a:ext cx="0" cy="0"/>
+          <a:chOff x="0" y="0"/>
+          <a:chExt cx="0" cy="0"/>
+        </a:xfrm>
+      </p:grpSpPr>
+      <p:sp>
+        <p:nvSpPr>
+          <p:cNvPr id="2" name="Title 1"/>
+          <p:cNvSpPr>
+            <a:spLocks noGrp="1"/>
+          </p:cNvSpPr>
+          <p:nvPr>
+            <p:ph type="title"/>
+          </p:nvPr>
+        </p:nvSpPr>
+        <p:spPr/>
+        <p:txBody>
+          <a:bodyPr/>
+          <a:lstStyle/>
+          <a:p>
+            <a:pPr lvl="0" indent="0" marL="0">
+              <a:buNone/>
+            </a:pPr>
+            <a:r>
+              <a:rPr/>
+              <a:t>Binary Tree Structures</a:t>
+            </a:r>
+          </a:p>
+        </p:txBody>
+      </p:sp>
+      <p:sp>
+        <p:nvSpPr>
+          <p:cNvPr id="3" name="Content Placeholder 2"/>
+          <p:cNvSpPr>
+            <a:spLocks noGrp="1"/>
+          </p:cNvSpPr>
+          <p:nvPr>
+            <p:ph idx="1"/>
+          </p:nvPr>
+        </p:nvSpPr>
+        <p:spPr/>
+        <p:txBody>
+          <a:bodyPr/>
+          <a:lstStyle/>
+          <a:p>
+            <a:pPr lvl="0"/>
+            <a:r>
+              <a:rPr/>
+              <a:t>Binary Search Trees</a:t>
+            </a:r>
+          </a:p>
+          <a:p>
+            <a:pPr lvl="0"/>
+            <a:r>
+              <a:rPr/>
+              <a:t>AVL Trees</a:t>
+            </a:r>
+          </a:p>
+          <a:p>
+            <a:pPr lvl="0"/>
+            <a:r>
+              <a:rPr/>
+              <a:t>Internal Path Reduction Trees</a:t>
+            </a:r>
+          </a:p>
+        </p:txBody>
+      </p:sp>
+    </p:spTree>
+  </p:cSld>
+</p:sld>
+</file>
+
+<file path=ppt/slides/slide12.xml><?xml version="1.0" encoding="utf-8"?>
+<p:sld xmlns:a="http://schemas.openxmlformats.org/drawingml/2006/main" xmlns:r="http://schemas.openxmlformats.org/officeDocument/2006/relationships" xmlns:p="http://schemas.openxmlformats.org/presentationml/2006/main">
+  <p:cSld>
+    <p:spTree>
+      <p:nvGrpSpPr>
+        <p:cNvPr id="1" name=""/>
+        <p:cNvGrpSpPr/>
+        <p:nvPr/>
+      </p:nvGrpSpPr>
+      <p:grpSpPr>
+        <a:xfrm>
+          <a:off x="0" y="0"/>
+          <a:ext cx="0" cy="0"/>
+          <a:chOff x="0" y="0"/>
+          <a:chExt cx="0" cy="0"/>
+        </a:xfrm>
+      </p:grpSpPr>
+      <p:sp>
+        <p:nvSpPr>
+          <p:cNvPr id="2" name="Title 1"/>
+          <p:cNvSpPr>
+            <a:spLocks noGrp="1"/>
+          </p:cNvSpPr>
+          <p:nvPr>
+            <p:ph type="title"/>
+          </p:nvPr>
+        </p:nvSpPr>
+        <p:spPr/>
+        <p:txBody>
+          <a:bodyPr/>
+          <a:lstStyle/>
+          <a:p>
+            <a:pPr lvl="0" indent="0" marL="0">
+              <a:buNone/>
+            </a:pPr>
+            <a:r>
+              <a:rPr/>
+              <a:t>B-Trees and Derivatives</a:t>
+            </a:r>
+          </a:p>
+        </p:txBody>
+      </p:sp>
+      <p:sp>
+        <p:nvSpPr>
+          <p:cNvPr id="3" name="Content Placeholder 2"/>
+          <p:cNvSpPr>
+            <a:spLocks noGrp="1"/>
+          </p:cNvSpPr>
+          <p:nvPr>
+            <p:ph idx="1"/>
+          </p:nvPr>
+        </p:nvSpPr>
+        <p:spPr/>
+        <p:txBody>
+          <a:bodyPr/>
+          <a:lstStyle/>
+          <a:p>
+            <a:pPr lvl="0"/>
+            <a:r>
+              <a:rPr/>
+              <a:t>B-Trees</a:t>
+            </a:r>
+          </a:p>
+          <a:p>
+            <a:pPr lvl="1"/>
+            <a:r>
+              <a:rPr/>
+              <a:t>https://www.geeksforgeeks.org/introduction-of-b-tree-2/</a:t>
+            </a:r>
+          </a:p>
+          <a:p>
+            <a:pPr lvl="1"/>
+            <a:r>
+              <a:rPr/>
+              <a:t>https://web.itu.edu.tr/~bkurt/Courses/blg341/lecture11.pdf</a:t>
+            </a:r>
+          </a:p>
+          <a:p>
+            <a:pPr lvl="0"/>
+            <a:r>
+              <a:rPr/>
+              <a:t>B#-Trees</a:t>
+            </a:r>
+          </a:p>
+          <a:p>
+            <a:pPr lvl="1"/>
+            <a:r>
+              <a:rPr/>
+              <a:t>.</a:t>
+            </a:r>
+          </a:p>
+          <a:p>
+            <a:pPr lvl="0"/>
+            <a:r>
+              <a:rPr/>
+              <a:t>B+ -Trees</a:t>
+            </a:r>
+          </a:p>
+          <a:p>
+            <a:pPr lvl="1"/>
+            <a:r>
+              <a:rPr/>
+              <a:t>https://www.geeksforgeeks.org/introduction-of-b-tree/?ref=gcse</a:t>
+            </a:r>
+          </a:p>
+        </p:txBody>
+      </p:sp>
+    </p:spTree>
+  </p:cSld>
+</p:sld>
+</file>
+
+<file path=ppt/slides/slide13.xml><?xml version="1.0" encoding="utf-8"?>
+<p:sld xmlns:a="http://schemas.openxmlformats.org/drawingml/2006/main" xmlns:r="http://schemas.openxmlformats.org/officeDocument/2006/relationships" xmlns:p="http://schemas.openxmlformats.org/presentationml/2006/main">
+  <p:cSld>
+    <p:spTree>
+      <p:nvGrpSpPr>
+        <p:cNvPr id="1" name=""/>
+        <p:cNvGrpSpPr/>
+        <p:nvPr/>
+      </p:nvGrpSpPr>
+      <p:grpSpPr>
+        <a:xfrm>
+          <a:off x="0" y="0"/>
+          <a:ext cx="0" cy="0"/>
+          <a:chOff x="0" y="0"/>
+          <a:chExt cx="0" cy="0"/>
+        </a:xfrm>
+      </p:grpSpPr>
+      <mc:AlternateContent xmlns:mc="http://schemas.openxmlformats.org/markup-compatibility/2006">
+        <mc:Choice xmlns:a14="http://schemas.microsoft.com/office/drawing/2010/main" Requires="a14">
+          <p:sp>
+            <p:nvSpPr>
+              <p:cNvPr id="3" name="Content Placeholder 2"/>
+              <p:cNvSpPr>
+                <a:spLocks noGrp="1"/>
+              </p:cNvSpPr>
+              <p:nvPr>
+                <p:ph idx="1"/>
+              </p:nvPr>
+            </p:nvSpPr>
+            <p:spPr/>
+            <p:txBody>
+              <a:bodyPr/>
+              <a:lstStyle/>
+              <a:p>
+                <a:pPr lvl="0" indent="0" marL="0">
+                  <a:buNone/>
+                </a:pPr>
+                <a14:m>
+                  <m:oMathPara xmlns:m="http://schemas.openxmlformats.org/officeDocument/2006/math">
+                    <m:oMathParaPr>
+                      <m:jc m:val="center"/>
+                    </m:oMathParaPr>
+                    <m:oMath>
+                      <m:r>
+                        <m:t>E</m:t>
+                      </m:r>
+                      <m:r>
+                        <m:t>n</m:t>
+                      </m:r>
+                      <m:r>
+                        <m:t>d</m:t>
+                      </m:r>
+                      <m:r>
+                        <m:rPr>
+                          <m:sty m:val="p"/>
+                        </m:rPr>
+                        <m:t>−</m:t>
+                      </m:r>
+                      <m:r>
+                        <m:t>O</m:t>
+                      </m:r>
+                      <m:r>
+                        <m:t>f</m:t>
+                      </m:r>
+                      <m:r>
+                        <m:rPr>
+                          <m:sty m:val="p"/>
+                        </m:rPr>
+                        <m:t>−</m:t>
+                      </m:r>
+                      <m:r>
+                        <m:t>W</m:t>
+                      </m:r>
+                      <m:r>
+                        <m:t>e</m:t>
+                      </m:r>
+                      <m:r>
+                        <m:t>e</m:t>
+                      </m:r>
+                      <m:r>
+                        <m:t>k</m:t>
+                      </m:r>
+                      <m:r>
+                        <m:rPr>
+                          <m:sty m:val="p"/>
+                        </m:rPr>
+                        <m:t>−</m:t>
+                      </m:r>
+                      <m:r>
+                        <m:t>14</m:t>
+                      </m:r>
+                    </m:oMath>
+                  </m:oMathPara>
+                </a14:m>
+              </a:p>
+            </p:txBody>
+          </p:sp>
+        </mc:Choice>
+      </mc:AlternateContent>
+    </p:spTree>
+  </p:cSld>
+</p:sld>
+</file>
+
 <file path=ppt/slides/slide2.xml><?xml version="1.0" encoding="utf-8"?>
 <p:sld xmlns:a="http://schemas.openxmlformats.org/drawingml/2006/main" xmlns:r="http://schemas.openxmlformats.org/officeDocument/2006/relationships" xmlns:p="http://schemas.openxmlformats.org/presentationml/2006/main">
   <p:cSld>
@@ -3403,6 +3824,510 @@
                 <a:hlinkClick r:id="rId4"/>
               </a:rPr>
               <a:t>PPTX</a:t>
+            </a:r>
+          </a:p>
+        </p:txBody>
+      </p:sp>
+    </p:spTree>
+  </p:cSld>
+</p:sld>
+</file>
+
+<file path=ppt/slides/slide5.xml><?xml version="1.0" encoding="utf-8"?>
+<p:sld xmlns:a="http://schemas.openxmlformats.org/drawingml/2006/main" xmlns:r="http://schemas.openxmlformats.org/officeDocument/2006/relationships" xmlns:p="http://schemas.openxmlformats.org/presentationml/2006/main">
+  <p:cSld>
+    <p:spTree>
+      <p:nvGrpSpPr>
+        <p:cNvPr id="1" name=""/>
+        <p:cNvGrpSpPr/>
+        <p:nvPr/>
+      </p:nvGrpSpPr>
+      <p:grpSpPr>
+        <a:xfrm>
+          <a:off x="0" y="0"/>
+          <a:ext cx="0" cy="0"/>
+          <a:chOff x="0" y="0"/>
+          <a:chExt cx="0" cy="0"/>
+        </a:xfrm>
+      </p:grpSpPr>
+      <p:sp>
+        <p:nvSpPr>
+          <p:cNvPr id="2" name="Title 1"/>
+          <p:cNvSpPr>
+            <a:spLocks noGrp="1"/>
+          </p:cNvSpPr>
+          <p:nvPr>
+            <p:ph type="title"/>
+          </p:nvPr>
+        </p:nvSpPr>
+        <p:spPr/>
+        <p:txBody>
+          <a:bodyPr/>
+          <a:lstStyle/>
+          <a:p>
+            <a:pPr lvl="0" indent="0" marL="0">
+              <a:buNone/>
+            </a:pPr>
+            <a:r>
+              <a:rPr/>
+              <a:t>Outline</a:t>
+            </a:r>
+          </a:p>
+        </p:txBody>
+      </p:sp>
+      <p:sp>
+        <p:nvSpPr>
+          <p:cNvPr id="3" name="Content Placeholder 2"/>
+          <p:cNvSpPr>
+            <a:spLocks noGrp="1"/>
+          </p:cNvSpPr>
+          <p:nvPr>
+            <p:ph idx="1"/>
+          </p:nvPr>
+        </p:nvSpPr>
+        <p:spPr/>
+        <p:txBody>
+          <a:bodyPr/>
+          <a:lstStyle/>
+          <a:p>
+            <a:pPr lvl="0"/>
+            <a:r>
+              <a:rPr/>
+              <a:t>Indexed Sequential File Organization</a:t>
+            </a:r>
+          </a:p>
+          <a:p>
+            <a:pPr lvl="0"/>
+            <a:r>
+              <a:rPr/>
+              <a:t>Bits of Information</a:t>
+            </a:r>
+          </a:p>
+          <a:p>
+            <a:pPr lvl="0"/>
+            <a:r>
+              <a:rPr/>
+              <a:t>Secondary Key Retrieval</a:t>
+            </a:r>
+          </a:p>
+          <a:p>
+            <a:pPr lvl="1"/>
+            <a:r>
+              <a:rPr/>
+              <a:t>Multilist File Organization</a:t>
+            </a:r>
+          </a:p>
+          <a:p>
+            <a:pPr lvl="1"/>
+            <a:r>
+              <a:rPr/>
+              <a:t>Inverted Files</a:t>
+            </a:r>
+          </a:p>
+          <a:p>
+            <a:pPr lvl="1"/>
+            <a:r>
+              <a:rPr/>
+              <a:t>Partial Match Retrieval with Signature Trees</a:t>
+            </a:r>
+          </a:p>
+          <a:p>
+            <a:pPr lvl="1"/>
+            <a:r>
+              <a:rPr/>
+              <a:t>Partial Match Retrieval with Page Signatures</a:t>
+            </a:r>
+          </a:p>
+        </p:txBody>
+      </p:sp>
+    </p:spTree>
+  </p:cSld>
+</p:sld>
+</file>
+
+<file path=ppt/slides/slide6.xml><?xml version="1.0" encoding="utf-8"?>
+<p:sld xmlns:a="http://schemas.openxmlformats.org/drawingml/2006/main" xmlns:r="http://schemas.openxmlformats.org/officeDocument/2006/relationships" xmlns:p="http://schemas.openxmlformats.org/presentationml/2006/main">
+  <p:cSld>
+    <p:spTree>
+      <p:nvGrpSpPr>
+        <p:cNvPr id="1" name=""/>
+        <p:cNvGrpSpPr/>
+        <p:nvPr/>
+      </p:nvGrpSpPr>
+      <p:grpSpPr>
+        <a:xfrm>
+          <a:off x="0" y="0"/>
+          <a:ext cx="0" cy="0"/>
+          <a:chOff x="0" y="0"/>
+          <a:chExt cx="0" cy="0"/>
+        </a:xfrm>
+      </p:grpSpPr>
+      <p:sp>
+        <p:nvSpPr>
+          <p:cNvPr id="2" name="Title 1"/>
+          <p:cNvSpPr>
+            <a:spLocks noGrp="1"/>
+          </p:cNvSpPr>
+          <p:nvPr>
+            <p:ph type="title"/>
+          </p:nvPr>
+        </p:nvSpPr>
+        <p:spPr/>
+        <p:txBody>
+          <a:bodyPr/>
+          <a:lstStyle/>
+          <a:p>
+            <a:pPr lvl="0" indent="0" marL="0">
+              <a:buNone/>
+            </a:pPr>
+            <a:r>
+              <a:rPr/>
+              <a:t>Outline</a:t>
+            </a:r>
+          </a:p>
+        </p:txBody>
+      </p:sp>
+      <p:sp>
+        <p:nvSpPr>
+          <p:cNvPr id="3" name="Content Placeholder 2"/>
+          <p:cNvSpPr>
+            <a:spLocks noGrp="1"/>
+          </p:cNvSpPr>
+          <p:nvPr>
+            <p:ph idx="1"/>
+          </p:nvPr>
+        </p:nvSpPr>
+        <p:spPr/>
+        <p:txBody>
+          <a:bodyPr/>
+          <a:lstStyle/>
+          <a:p>
+            <a:pPr lvl="0"/>
+            <a:r>
+              <a:rPr/>
+              <a:t>Bits and Hashing</a:t>
+            </a:r>
+          </a:p>
+          <a:p>
+            <a:pPr lvl="1"/>
+            <a:r>
+              <a:rPr/>
+              <a:t>Signature Hashing</a:t>
+            </a:r>
+          </a:p>
+          <a:p>
+            <a:pPr lvl="1"/>
+            <a:r>
+              <a:rPr/>
+              <a:t>Bloom Filters</a:t>
+            </a:r>
+          </a:p>
+          <a:p>
+            <a:pPr lvl="1"/>
+            <a:r>
+              <a:rPr/>
+              <a:t>Classification Hashing</a:t>
+            </a:r>
+          </a:p>
+          <a:p>
+            <a:pPr lvl="1"/>
+            <a:r>
+              <a:rPr/>
+              <a:t>Check Hashing</a:t>
+            </a:r>
+          </a:p>
+        </p:txBody>
+      </p:sp>
+    </p:spTree>
+  </p:cSld>
+</p:sld>
+</file>
+
+<file path=ppt/slides/slide7.xml><?xml version="1.0" encoding="utf-8"?>
+<p:sld xmlns:a="http://schemas.openxmlformats.org/drawingml/2006/main" xmlns:r="http://schemas.openxmlformats.org/officeDocument/2006/relationships" xmlns:p="http://schemas.openxmlformats.org/presentationml/2006/main">
+  <p:cSld>
+    <p:spTree>
+      <p:nvGrpSpPr>
+        <p:cNvPr id="1" name=""/>
+        <p:cNvGrpSpPr/>
+        <p:nvPr/>
+      </p:nvGrpSpPr>
+      <p:grpSpPr>
+        <a:xfrm>
+          <a:off x="0" y="0"/>
+          <a:ext cx="0" cy="0"/>
+          <a:chOff x="0" y="0"/>
+          <a:chExt cx="0" cy="0"/>
+        </a:xfrm>
+      </p:grpSpPr>
+      <p:sp>
+        <p:nvSpPr>
+          <p:cNvPr id="2" name="Title 1"/>
+          <p:cNvSpPr>
+            <a:spLocks noGrp="1"/>
+          </p:cNvSpPr>
+          <p:nvPr>
+            <p:ph type="title"/>
+          </p:nvPr>
+        </p:nvSpPr>
+        <p:spPr/>
+        <p:txBody>
+          <a:bodyPr/>
+          <a:lstStyle/>
+          <a:p>
+            <a:pPr lvl="0" indent="0" marL="0">
+              <a:buNone/>
+            </a:pPr>
+            <a:r>
+              <a:rPr/>
+              <a:t>Outline</a:t>
+            </a:r>
+          </a:p>
+        </p:txBody>
+      </p:sp>
+      <p:sp>
+        <p:nvSpPr>
+          <p:cNvPr id="3" name="Content Placeholder 2"/>
+          <p:cNvSpPr>
+            <a:spLocks noGrp="1"/>
+          </p:cNvSpPr>
+          <p:nvPr>
+            <p:ph idx="1"/>
+          </p:nvPr>
+        </p:nvSpPr>
+        <p:spPr/>
+        <p:txBody>
+          <a:bodyPr/>
+          <a:lstStyle/>
+          <a:p>
+            <a:pPr lvl="0"/>
+            <a:r>
+              <a:rPr/>
+              <a:t>Binary Tree Structures</a:t>
+            </a:r>
+          </a:p>
+          <a:p>
+            <a:pPr lvl="1"/>
+            <a:r>
+              <a:rPr/>
+              <a:t>Binary Search Trees</a:t>
+            </a:r>
+          </a:p>
+          <a:p>
+            <a:pPr lvl="1"/>
+            <a:r>
+              <a:rPr/>
+              <a:t>AVL Trees</a:t>
+            </a:r>
+          </a:p>
+          <a:p>
+            <a:pPr lvl="1"/>
+            <a:r>
+              <a:rPr/>
+              <a:t>Internal Path Reduction Trees</a:t>
+            </a:r>
+          </a:p>
+        </p:txBody>
+      </p:sp>
+    </p:spTree>
+  </p:cSld>
+</p:sld>
+</file>
+
+<file path=ppt/slides/slide8.xml><?xml version="1.0" encoding="utf-8"?>
+<p:sld xmlns:a="http://schemas.openxmlformats.org/drawingml/2006/main" xmlns:r="http://schemas.openxmlformats.org/officeDocument/2006/relationships" xmlns:p="http://schemas.openxmlformats.org/presentationml/2006/main">
+  <p:cSld>
+    <p:spTree>
+      <p:nvGrpSpPr>
+        <p:cNvPr id="1" name=""/>
+        <p:cNvGrpSpPr/>
+        <p:nvPr/>
+      </p:nvGrpSpPr>
+      <p:grpSpPr>
+        <a:xfrm>
+          <a:off x="0" y="0"/>
+          <a:ext cx="0" cy="0"/>
+          <a:chOff x="0" y="0"/>
+          <a:chExt cx="0" cy="0"/>
+        </a:xfrm>
+      </p:grpSpPr>
+      <p:sp>
+        <p:nvSpPr>
+          <p:cNvPr id="2" name="Title 1"/>
+          <p:cNvSpPr>
+            <a:spLocks noGrp="1"/>
+          </p:cNvSpPr>
+          <p:nvPr>
+            <p:ph type="title"/>
+          </p:nvPr>
+        </p:nvSpPr>
+        <p:spPr/>
+        <p:txBody>
+          <a:bodyPr/>
+          <a:lstStyle/>
+          <a:p>
+            <a:pPr lvl="0" indent="0" marL="0">
+              <a:buNone/>
+            </a:pPr>
+            <a:r>
+              <a:rPr/>
+              <a:t>Outline</a:t>
+            </a:r>
+          </a:p>
+        </p:txBody>
+      </p:sp>
+      <p:sp>
+        <p:nvSpPr>
+          <p:cNvPr id="3" name="Content Placeholder 2"/>
+          <p:cNvSpPr>
+            <a:spLocks noGrp="1"/>
+          </p:cNvSpPr>
+          <p:nvPr>
+            <p:ph idx="1"/>
+          </p:nvPr>
+        </p:nvSpPr>
+        <p:spPr/>
+        <p:txBody>
+          <a:bodyPr/>
+          <a:lstStyle/>
+          <a:p>
+            <a:pPr lvl="0"/>
+            <a:r>
+              <a:rPr/>
+              <a:t>B-Trees and Derivatives</a:t>
+            </a:r>
+          </a:p>
+          <a:p>
+            <a:pPr lvl="1"/>
+            <a:r>
+              <a:rPr/>
+              <a:t>B-Trees</a:t>
+            </a:r>
+          </a:p>
+          <a:p>
+            <a:pPr lvl="1"/>
+            <a:r>
+              <a:rPr/>
+              <a:t>B#-Trees</a:t>
+            </a:r>
+          </a:p>
+          <a:p>
+            <a:pPr lvl="1"/>
+            <a:r>
+              <a:rPr/>
+              <a:t>B+ -Trees</a:t>
+            </a:r>
+          </a:p>
+        </p:txBody>
+      </p:sp>
+    </p:spTree>
+  </p:cSld>
+</p:sld>
+</file>
+
+<file path=ppt/slides/slide9.xml><?xml version="1.0" encoding="utf-8"?>
+<p:sld xmlns:a="http://schemas.openxmlformats.org/drawingml/2006/main" xmlns:r="http://schemas.openxmlformats.org/officeDocument/2006/relationships" xmlns:p="http://schemas.openxmlformats.org/presentationml/2006/main">
+  <p:cSld>
+    <p:spTree>
+      <p:nvGrpSpPr>
+        <p:cNvPr id="1" name=""/>
+        <p:cNvGrpSpPr/>
+        <p:nvPr/>
+      </p:nvGrpSpPr>
+      <p:grpSpPr>
+        <a:xfrm>
+          <a:off x="0" y="0"/>
+          <a:ext cx="0" cy="0"/>
+          <a:chOff x="0" y="0"/>
+          <a:chExt cx="0" cy="0"/>
+        </a:xfrm>
+      </p:grpSpPr>
+      <p:sp>
+        <p:nvSpPr>
+          <p:cNvPr id="2" name="Title 1"/>
+          <p:cNvSpPr>
+            <a:spLocks noGrp="1"/>
+          </p:cNvSpPr>
+          <p:nvPr>
+            <p:ph type="title"/>
+          </p:nvPr>
+        </p:nvSpPr>
+        <p:spPr/>
+        <p:txBody>
+          <a:bodyPr/>
+          <a:lstStyle/>
+          <a:p>
+            <a:pPr lvl="0" indent="0" marL="0">
+              <a:buNone/>
+            </a:pPr>
+            <a:r>
+              <a:rPr/>
+              <a:t>Indexed Sequential File Organization</a:t>
+            </a:r>
+          </a:p>
+        </p:txBody>
+      </p:sp>
+      <p:sp>
+        <p:nvSpPr>
+          <p:cNvPr id="3" name="Content Placeholder 2"/>
+          <p:cNvSpPr>
+            <a:spLocks noGrp="1"/>
+          </p:cNvSpPr>
+          <p:nvPr>
+            <p:ph idx="1"/>
+          </p:nvPr>
+        </p:nvSpPr>
+        <p:spPr/>
+        <p:txBody>
+          <a:bodyPr/>
+          <a:lstStyle/>
+          <a:p>
+            <a:pPr lvl="0"/>
+            <a:r>
+              <a:rPr/>
+              <a:t>Bits of Information</a:t>
+            </a:r>
+          </a:p>
+          <a:p>
+            <a:pPr lvl="0"/>
+            <a:r>
+              <a:rPr/>
+              <a:t>Secondary Key Retrieval</a:t>
+            </a:r>
+          </a:p>
+          <a:p>
+            <a:pPr lvl="1"/>
+            <a:r>
+              <a:rPr/>
+              <a:t>Multilist File Organization</a:t>
+            </a:r>
+          </a:p>
+          <a:p>
+            <a:pPr lvl="1"/>
+            <a:r>
+              <a:rPr/>
+              <a:t>Inverted Files</a:t>
+            </a:r>
+          </a:p>
+          <a:p>
+            <a:pPr lvl="1"/>
+            <a:r>
+              <a:rPr/>
+              <a:t>Partial Match Retrieval with Signature Trees</a:t>
+            </a:r>
+          </a:p>
+          <a:p>
+            <a:pPr lvl="1"/>
+            <a:r>
+              <a:rPr/>
+              <a:t>Partial Match Retrieval with Page Signatures</a:t>
+            </a:r>
+          </a:p>
+          <a:p>
+            <a:pPr lvl="0"/>
+            <a:r>
+              <a:rPr/>
+              <a:t>https://www.amirajcollege.in/wp-content/uploads/2020/06/3130702-chapter-4-hashing-and-file-structure.pdf</a:t>
             </a:r>
           </a:p>
         </p:txBody>
